--- a/slide/Presentation1.pptx
+++ b/slide/Presentation1.pptx
@@ -306,7 +306,7 @@
           <a:p>
             <a:fld id="{42F13EBE-F492-A24D-A556-2B064CA2094D}" type="datetimeFigureOut">
               <a:rPr lang="en-US" smtClean="0"/>
-              <a:t>6/17/16</a:t>
+              <a:t>6/21/16</a:t>
             </a:fld>
             <a:endParaRPr lang="en-US"/>
           </a:p>
@@ -1565,7 +1565,7 @@
           <a:p>
             <a:fld id="{85821141-29C2-BE47-BFE9-7E6ADB802B40}" type="datetimeFigureOut">
               <a:rPr lang="en-US" smtClean="0"/>
-              <a:t>6/17/16</a:t>
+              <a:t>6/21/16</a:t>
             </a:fld>
             <a:endParaRPr lang="en-US"/>
           </a:p>
@@ -1735,7 +1735,7 @@
           <a:p>
             <a:fld id="{85821141-29C2-BE47-BFE9-7E6ADB802B40}" type="datetimeFigureOut">
               <a:rPr lang="en-US" smtClean="0"/>
-              <a:t>6/17/16</a:t>
+              <a:t>6/21/16</a:t>
             </a:fld>
             <a:endParaRPr lang="en-US"/>
           </a:p>
@@ -1915,7 +1915,7 @@
           <a:p>
             <a:fld id="{85821141-29C2-BE47-BFE9-7E6ADB802B40}" type="datetimeFigureOut">
               <a:rPr lang="en-US" smtClean="0"/>
-              <a:t>6/17/16</a:t>
+              <a:t>6/21/16</a:t>
             </a:fld>
             <a:endParaRPr lang="en-US"/>
           </a:p>
@@ -2085,7 +2085,7 @@
           <a:p>
             <a:fld id="{85821141-29C2-BE47-BFE9-7E6ADB802B40}" type="datetimeFigureOut">
               <a:rPr lang="en-US" smtClean="0"/>
-              <a:t>6/17/16</a:t>
+              <a:t>6/21/16</a:t>
             </a:fld>
             <a:endParaRPr lang="en-US"/>
           </a:p>
@@ -2331,7 +2331,7 @@
           <a:p>
             <a:fld id="{85821141-29C2-BE47-BFE9-7E6ADB802B40}" type="datetimeFigureOut">
               <a:rPr lang="en-US" smtClean="0"/>
-              <a:t>6/17/16</a:t>
+              <a:t>6/21/16</a:t>
             </a:fld>
             <a:endParaRPr lang="en-US"/>
           </a:p>
@@ -2563,7 +2563,7 @@
           <a:p>
             <a:fld id="{85821141-29C2-BE47-BFE9-7E6ADB802B40}" type="datetimeFigureOut">
               <a:rPr lang="en-US" smtClean="0"/>
-              <a:t>6/17/16</a:t>
+              <a:t>6/21/16</a:t>
             </a:fld>
             <a:endParaRPr lang="en-US"/>
           </a:p>
@@ -2930,7 +2930,7 @@
           <a:p>
             <a:fld id="{85821141-29C2-BE47-BFE9-7E6ADB802B40}" type="datetimeFigureOut">
               <a:rPr lang="en-US" smtClean="0"/>
-              <a:t>6/17/16</a:t>
+              <a:t>6/21/16</a:t>
             </a:fld>
             <a:endParaRPr lang="en-US"/>
           </a:p>
@@ -3048,7 +3048,7 @@
           <a:p>
             <a:fld id="{85821141-29C2-BE47-BFE9-7E6ADB802B40}" type="datetimeFigureOut">
               <a:rPr lang="en-US" smtClean="0"/>
-              <a:t>6/17/16</a:t>
+              <a:t>6/21/16</a:t>
             </a:fld>
             <a:endParaRPr lang="en-US"/>
           </a:p>
@@ -3143,7 +3143,7 @@
           <a:p>
             <a:fld id="{85821141-29C2-BE47-BFE9-7E6ADB802B40}" type="datetimeFigureOut">
               <a:rPr lang="en-US" smtClean="0"/>
-              <a:t>6/17/16</a:t>
+              <a:t>6/21/16</a:t>
             </a:fld>
             <a:endParaRPr lang="en-US"/>
           </a:p>
@@ -3420,7 +3420,7 @@
           <a:p>
             <a:fld id="{85821141-29C2-BE47-BFE9-7E6ADB802B40}" type="datetimeFigureOut">
               <a:rPr lang="en-US" smtClean="0"/>
-              <a:t>6/17/16</a:t>
+              <a:t>6/21/16</a:t>
             </a:fld>
             <a:endParaRPr lang="en-US"/>
           </a:p>
@@ -3673,7 +3673,7 @@
           <a:p>
             <a:fld id="{85821141-29C2-BE47-BFE9-7E6ADB802B40}" type="datetimeFigureOut">
               <a:rPr lang="en-US" smtClean="0"/>
-              <a:t>6/17/16</a:t>
+              <a:t>6/21/16</a:t>
             </a:fld>
             <a:endParaRPr lang="en-US"/>
           </a:p>
@@ -3886,7 +3886,7 @@
           <a:p>
             <a:fld id="{85821141-29C2-BE47-BFE9-7E6ADB802B40}" type="datetimeFigureOut">
               <a:rPr lang="en-US" smtClean="0"/>
-              <a:t>6/17/16</a:t>
+              <a:t>6/21/16</a:t>
             </a:fld>
             <a:endParaRPr lang="en-US"/>
           </a:p>
@@ -4787,13 +4787,7 @@
               <a:rPr lang="en-US" dirty="0" smtClean="0">
                 <a:hlinkClick r:id="rId2"/>
               </a:rPr>
-              <a:t>https://nodejs.org/en/download</a:t>
-            </a:r>
-            <a:r>
-              <a:rPr lang="en-US" dirty="0" smtClean="0">
-                <a:hlinkClick r:id="rId2"/>
-              </a:rPr>
-              <a:t>/</a:t>
+              <a:t>https://nodejs.org/en/download/</a:t>
             </a:r>
             <a:endParaRPr lang="en-US" dirty="0" smtClean="0"/>
           </a:p>
@@ -4890,7 +4884,6 @@
               <a:rPr lang="en-US" dirty="0"/>
               <a:t>/questions/28621953/msbuild-error-msb3428-could-not-load-the-visual-c-component-vcbuild-exe</a:t>
             </a:r>
-            <a:endParaRPr lang="en-US" dirty="0"/>
           </a:p>
         </p:txBody>
       </p:sp>
@@ -5021,13 +5014,8 @@
             </a:r>
             <a:r>
               <a:rPr lang="en-US" sz="2400" dirty="0" smtClean="0"/>
-              <a:t> install --g </a:t>
-            </a:r>
-            <a:r>
-              <a:rPr lang="en-US" sz="2400" dirty="0" smtClean="0"/>
-              <a:t>gulp-cli</a:t>
-            </a:r>
-            <a:endParaRPr lang="en-US" sz="2400" dirty="0" smtClean="0"/>
+              <a:t> install --g gulp-cli</a:t>
+            </a:r>
           </a:p>
           <a:p>
             <a:pPr marL="685800" lvl="2">
@@ -5152,6 +5140,10 @@
           </p:nvPr>
         </p:nvSpPr>
         <p:spPr>
+          <a:xfrm>
+            <a:off x="852376" y="1825625"/>
+            <a:ext cx="10515600" cy="4351338"/>
+          </a:xfrm>
           <a:solidFill>
             <a:schemeClr val="bg1"/>
           </a:solidFill>
@@ -5673,6 +5665,32 @@
           </a:prstGeom>
         </p:spPr>
       </p:pic>
+      <p:sp>
+        <p:nvSpPr>
+          <p:cNvPr id="5" name="TextBox 4"/>
+          <p:cNvSpPr txBox="1"/>
+          <p:nvPr/>
+        </p:nvSpPr>
+        <p:spPr>
+          <a:xfrm>
+            <a:off x="2043953" y="4959275"/>
+            <a:ext cx="184731" cy="369332"/>
+          </a:xfrm>
+          <a:prstGeom prst="rect">
+            <a:avLst/>
+          </a:prstGeom>
+          <a:noFill/>
+        </p:spPr>
+        <p:txBody>
+          <a:bodyPr wrap="none" rtlCol="0">
+            <a:spAutoFit/>
+          </a:bodyPr>
+          <a:lstStyle/>
+          <a:p>
+            <a:endParaRPr lang="en-US" dirty="0"/>
+          </a:p>
+        </p:txBody>
+      </p:sp>
     </p:spTree>
     <p:extLst>
       <p:ext uri="{BB962C8B-B14F-4D97-AF65-F5344CB8AC3E}">
@@ -7386,10 +7404,9 @@
           </a:p>
           <a:p>
             <a:r>
-              <a:rPr lang="en-US" smtClean="0"/>
+              <a:rPr lang="en-US" dirty="0" smtClean="0"/>
               <a:t>Form Validation</a:t>
             </a:r>
-            <a:endParaRPr lang="en-US" dirty="0" smtClean="0"/>
           </a:p>
           <a:p>
             <a:r>
@@ -7418,6 +7435,13 @@
   <p:clrMapOvr>
     <a:masterClrMapping/>
   </p:clrMapOvr>
+  <p:timing>
+    <p:tnLst>
+      <p:par>
+        <p:cTn id="1" dur="indefinite" restart="never" nodeType="tmRoot"/>
+      </p:par>
+    </p:tnLst>
+  </p:timing>
 </p:sld>
 </file>
 
@@ -17229,7 +17253,31 @@
                 </a:highlight>
                 <a:latin typeface="Consolas" panose="020B0609020204030204" pitchFamily="49" charset="0"/>
               </a:rPr>
-              <a:t>{{ 59.99 | currency:'£':0 }} // $60 - decimal point control</a:t>
+              <a:t>{{ 59.99 | currency:'£':0 }} // </a:t>
+            </a:r>
+            <a:r>
+              <a:rPr lang="en-US" sz="1600" dirty="0">
+                <a:solidFill>
+                  <a:srgbClr val="000000"/>
+                </a:solidFill>
+                <a:highlight>
+                  <a:srgbClr val="FFFFFF"/>
+                </a:highlight>
+                <a:latin typeface="Consolas" panose="020B0609020204030204" pitchFamily="49" charset="0"/>
+              </a:rPr>
+              <a:t>£60 </a:t>
+            </a:r>
+            <a:r>
+              <a:rPr lang="en-US" sz="1600" dirty="0" smtClean="0">
+                <a:solidFill>
+                  <a:srgbClr val="000000"/>
+                </a:solidFill>
+                <a:highlight>
+                  <a:srgbClr val="FFFFFF"/>
+                </a:highlight>
+                <a:latin typeface="Consolas" panose="020B0609020204030204" pitchFamily="49" charset="0"/>
+              </a:rPr>
+              <a:t>- decimal point control</a:t>
             </a:r>
           </a:p>
           <a:p>
@@ -18282,6 +18330,13 @@
   <p:clrMapOvr>
     <a:masterClrMapping/>
   </p:clrMapOvr>
+  <p:timing>
+    <p:tnLst>
+      <p:par>
+        <p:cTn id="1" dur="indefinite" restart="never" nodeType="tmRoot"/>
+      </p:par>
+    </p:tnLst>
+  </p:timing>
 </p:sld>
 </file>
 
@@ -18350,7 +18405,11 @@
               <a:t>&lt;form name="</a:t>
             </a:r>
             <a:r>
-              <a:rPr lang="en-US" sz="1600" dirty="0" err="1"/>
+              <a:rPr lang="en-US" sz="1600" dirty="0" err="1">
+                <a:solidFill>
+                  <a:srgbClr val="FF0000"/>
+                </a:solidFill>
+              </a:rPr>
               <a:t>myForm</a:t>
             </a:r>
             <a:r>
@@ -18365,7 +18424,11 @@
               <a:t>&lt;input name="</a:t>
             </a:r>
             <a:r>
-              <a:rPr lang="en-US" sz="1600" dirty="0" err="1"/>
+              <a:rPr lang="en-US" sz="1600" dirty="0" err="1">
+                <a:solidFill>
+                  <a:srgbClr val="00B050"/>
+                </a:solidFill>
+              </a:rPr>
               <a:t>myInput</a:t>
             </a:r>
             <a:r>
@@ -18406,10 +18469,26 @@
             </a:br>
             <a:r>
               <a:rPr lang="en-US" sz="1600" dirty="0"/>
-              <a:t>&lt;h1&gt;{{myForm.</a:t>
-            </a:r>
-            <a:r>
-              <a:rPr lang="en-US" sz="1600" dirty="0" err="1"/>
+              <a:t>&lt;h1&gt;{{</a:t>
+            </a:r>
+            <a:r>
+              <a:rPr lang="en-US" sz="1600" dirty="0">
+                <a:solidFill>
+                  <a:srgbClr val="FF0000"/>
+                </a:solidFill>
+              </a:rPr>
+              <a:t>myForm</a:t>
+            </a:r>
+            <a:r>
+              <a:rPr lang="en-US" sz="1600" dirty="0"/>
+              <a:t>.</a:t>
+            </a:r>
+            <a:r>
+              <a:rPr lang="en-US" sz="1600" dirty="0" err="1">
+                <a:solidFill>
+                  <a:srgbClr val="00B050"/>
+                </a:solidFill>
+              </a:rPr>
               <a:t>myInput</a:t>
             </a:r>
             <a:r>
@@ -20152,7 +20231,7 @@
                     <a:p>
                       <a:pPr fontAlgn="t"/>
                       <a:r>
-                        <a:rPr lang="en-US" u="none" strike="noStrike">
+                        <a:rPr lang="en-US" u="none" strike="noStrike" dirty="0">
                           <a:solidFill>
                             <a:srgbClr val="428BCA"/>
                           </a:solidFill>
@@ -20161,7 +20240,7 @@
                         </a:rPr>
                         <a:t>$animate</a:t>
                       </a:r>
-                      <a:endParaRPr lang="en-US">
+                      <a:endParaRPr lang="en-US" dirty="0">
                         <a:effectLst/>
                       </a:endParaRPr>
                     </a:p>
@@ -20193,7 +20272,7 @@
                     <a:p>
                       <a:pPr fontAlgn="t"/>
                       <a:r>
-                        <a:rPr lang="en-US" u="none" strike="noStrike">
+                        <a:rPr lang="en-US" u="none" strike="noStrike" dirty="0">
                           <a:solidFill>
                             <a:srgbClr val="428BCA"/>
                           </a:solidFill>
@@ -20202,7 +20281,7 @@
                         </a:rPr>
                         <a:t>$animateCss</a:t>
                       </a:r>
-                      <a:endParaRPr lang="en-US">
+                      <a:endParaRPr lang="en-US" dirty="0">
                         <a:effectLst/>
                       </a:endParaRPr>
                     </a:p>
@@ -20585,7 +20664,7 @@
                     <a:p>
                       <a:pPr fontAlgn="t"/>
                       <a:r>
-                        <a:rPr lang="en-US" u="none" strike="noStrike">
+                        <a:rPr lang="en-US" u="none" strike="noStrike" dirty="0">
                           <a:solidFill>
                             <a:srgbClr val="428BCA"/>
                           </a:solidFill>
@@ -20594,7 +20673,7 @@
                         </a:rPr>
                         <a:t>$compile</a:t>
                       </a:r>
-                      <a:endParaRPr lang="en-US">
+                      <a:endParaRPr lang="en-US" dirty="0">
                         <a:effectLst/>
                       </a:endParaRPr>
                     </a:p>
@@ -21369,7 +21448,7 @@
                     <a:p>
                       <a:pPr fontAlgn="t"/>
                       <a:r>
-                        <a:rPr lang="en-US" u="none" strike="noStrike">
+                        <a:rPr lang="en-US" u="none" strike="noStrike" dirty="0">
                           <a:solidFill>
                             <a:srgbClr val="428BCA"/>
                           </a:solidFill>
@@ -21378,7 +21457,7 @@
                         </a:rPr>
                         <a:t>$filter</a:t>
                       </a:r>
-                      <a:endParaRPr lang="en-US">
+                      <a:endParaRPr lang="en-US" dirty="0">
                         <a:effectLst/>
                       </a:endParaRPr>
                     </a:p>
@@ -21796,7 +21875,7 @@
                     <a:p>
                       <a:pPr fontAlgn="t"/>
                       <a:r>
-                        <a:rPr lang="en-US" u="none" strike="noStrike">
+                        <a:rPr lang="en-US" u="none" strike="noStrike" dirty="0">
                           <a:solidFill>
                             <a:srgbClr val="428BCA"/>
                           </a:solidFill>
@@ -21805,7 +21884,7 @@
                         </a:rPr>
                         <a:t>$location</a:t>
                       </a:r>
-                      <a:endParaRPr lang="en-US">
+                      <a:endParaRPr lang="en-US" dirty="0">
                         <a:effectLst/>
                       </a:endParaRPr>
                     </a:p>
@@ -21972,7 +22051,7 @@
                     <a:p>
                       <a:pPr fontAlgn="t"/>
                       <a:r>
-                        <a:rPr lang="en-US" u="none" strike="noStrike">
+                        <a:rPr lang="en-US" u="none" strike="noStrike" dirty="0">
                           <a:solidFill>
                             <a:srgbClr val="428BCA"/>
                           </a:solidFill>
@@ -21981,7 +22060,7 @@
                         </a:rPr>
                         <a:t>$rootScope</a:t>
                       </a:r>
-                      <a:endParaRPr lang="en-US">
+                      <a:endParaRPr lang="en-US" dirty="0">
                         <a:effectLst/>
                       </a:endParaRPr>
                     </a:p>
@@ -22349,7 +22428,7 @@
                     <a:p>
                       <a:pPr fontAlgn="t"/>
                       <a:r>
-                        <a:rPr lang="en-US" u="none" strike="noStrike">
+                        <a:rPr lang="en-US" u="none" strike="noStrike" dirty="0">
                           <a:solidFill>
                             <a:srgbClr val="428BCA"/>
                           </a:solidFill>
@@ -22358,7 +22437,7 @@
                         </a:rPr>
                         <a:t>$window</a:t>
                       </a:r>
-                      <a:endParaRPr lang="en-US">
+                      <a:endParaRPr lang="en-US" dirty="0">
                         <a:effectLst/>
                       </a:endParaRPr>
                     </a:p>
@@ -23768,19 +23847,43 @@
             <a:r>
               <a:rPr lang="en-US" sz="1500" dirty="0" smtClean="0">
                 <a:solidFill>
-                  <a:srgbClr val="000000"/>
-                </a:solidFill>
-                <a:highlight>
-                  <a:srgbClr val="FFFFFF"/>
-                </a:highlight>
-                <a:latin typeface="Consolas" panose="020B0609020204030204" pitchFamily="49" charset="0"/>
-              </a:rPr>
-              <a:t>  &lt;span ng-bind="name"&gt;&lt;/span&gt; &lt;</a:t>
+                  <a:srgbClr val="FF0000"/>
+                </a:solidFill>
+                <a:highlight>
+                  <a:srgbClr val="FFFFFF"/>
+                </a:highlight>
+                <a:latin typeface="Consolas" panose="020B0609020204030204" pitchFamily="49" charset="0"/>
+              </a:rPr>
+              <a:t>  &lt;span </a:t>
+            </a:r>
+            <a:r>
+              <a:rPr lang="en-US" sz="1500" dirty="0" smtClean="0">
+                <a:solidFill>
+                  <a:srgbClr val="FF0000"/>
+                </a:solidFill>
+                <a:highlight>
+                  <a:srgbClr val="FFFFFF"/>
+                </a:highlight>
+                <a:latin typeface="Consolas" panose="020B0609020204030204" pitchFamily="49" charset="0"/>
+              </a:rPr>
+              <a:t>ng-bind="</a:t>
+            </a:r>
+            <a:r>
+              <a:rPr lang="en-US" sz="1500" dirty="0" smtClean="0">
+                <a:solidFill>
+                  <a:srgbClr val="FF0000"/>
+                </a:solidFill>
+                <a:highlight>
+                  <a:srgbClr val="FFFFFF"/>
+                </a:highlight>
+                <a:latin typeface="Consolas" panose="020B0609020204030204" pitchFamily="49" charset="0"/>
+              </a:rPr>
+              <a:t>name"&gt;&lt;/span&gt; &lt;</a:t>
             </a:r>
             <a:r>
               <a:rPr lang="en-US" sz="1500" dirty="0" err="1" smtClean="0">
                 <a:solidFill>
-                  <a:srgbClr val="000000"/>
+                  <a:srgbClr val="FF0000"/>
                 </a:solidFill>
                 <a:highlight>
                   <a:srgbClr val="FFFFFF"/>
@@ -23792,7 +23895,7 @@
             <a:r>
               <a:rPr lang="en-US" sz="1500" dirty="0" smtClean="0">
                 <a:solidFill>
-                  <a:srgbClr val="000000"/>
+                  <a:srgbClr val="FF0000"/>
                 </a:solidFill>
                 <a:highlight>
                   <a:srgbClr val="FFFFFF"/>
@@ -23930,7 +24033,7 @@
             <a:r>
               <a:rPr lang="en-US" sz="1500" dirty="0" smtClean="0">
                 <a:solidFill>
-                  <a:srgbClr val="000000"/>
+                  <a:srgbClr val="FF0000"/>
                 </a:solidFill>
                 <a:highlight>
                   <a:srgbClr val="FFFFFF"/>
@@ -23942,7 +24045,7 @@
             <a:r>
               <a:rPr lang="en-US" sz="1500" dirty="0" err="1" smtClean="0">
                 <a:solidFill>
-                  <a:srgbClr val="000000"/>
+                  <a:srgbClr val="FF0000"/>
                 </a:solidFill>
                 <a:highlight>
                   <a:srgbClr val="FFFFFF"/>
@@ -23954,7 +24057,7 @@
             <a:r>
               <a:rPr lang="en-US" sz="1500" dirty="0" smtClean="0">
                 <a:solidFill>
-                  <a:srgbClr val="000000"/>
+                  <a:srgbClr val="FF0000"/>
                 </a:solidFill>
                 <a:highlight>
                   <a:srgbClr val="FFFFFF"/>
@@ -24088,7 +24191,7 @@
         <p:spPr>
           <a:xfrm>
             <a:off x="838200" y="1849376"/>
-            <a:ext cx="10134599" cy="3323987"/>
+            <a:ext cx="10134599" cy="3785652"/>
           </a:xfrm>
           <a:prstGeom prst="rect">
             <a:avLst/>
@@ -24137,6 +24240,18 @@
               <a:t>moduleName</a:t>
             </a:r>
             <a:r>
+              <a:rPr lang="en-US" sz="1500" dirty="0">
+                <a:solidFill>
+                  <a:srgbClr val="000000"/>
+                </a:solidFill>
+                <a:highlight>
+                  <a:srgbClr val="FFFFFF"/>
+                </a:highlight>
+                <a:latin typeface="Consolas" panose="020B0609020204030204" pitchFamily="49" charset="0"/>
+              </a:rPr>
+              <a:t>')  -&gt; </a:t>
+            </a:r>
+            <a:r>
               <a:rPr lang="en-US" sz="1500" dirty="0" smtClean="0">
                 <a:solidFill>
                   <a:srgbClr val="000000"/>
@@ -24146,8 +24261,17 @@
                 </a:highlight>
                 <a:latin typeface="Consolas" panose="020B0609020204030204" pitchFamily="49" charset="0"/>
               </a:rPr>
-              <a:t>')</a:t>
-            </a:r>
+              <a:t>my-directive</a:t>
+            </a:r>
+            <a:endParaRPr lang="en-US" sz="1500" dirty="0" smtClean="0">
+              <a:solidFill>
+                <a:srgbClr val="000000"/>
+              </a:solidFill>
+              <a:highlight>
+                <a:srgbClr val="FFFFFF"/>
+              </a:highlight>
+              <a:latin typeface="Consolas" panose="020B0609020204030204" pitchFamily="49" charset="0"/>
+            </a:endParaRPr>
           </a:p>
           <a:p>
             <a:r>
@@ -24263,10 +24387,8 @@
                 </a:highlight>
                 <a:latin typeface="Consolas" panose="020B0609020204030204" pitchFamily="49" charset="0"/>
               </a:rPr>
-              <a:t>            title: '@’</a:t>
-            </a:r>
-          </a:p>
-          <a:p>
+              <a:t>            title: </a:t>
+            </a:r>
             <a:r>
               <a:rPr lang="en-US" sz="1500" dirty="0" smtClean="0">
                 <a:solidFill>
@@ -24277,6 +24399,117 @@
                 </a:highlight>
                 <a:latin typeface="Consolas" panose="020B0609020204030204" pitchFamily="49" charset="0"/>
               </a:rPr>
+              <a:t>'@’,</a:t>
+            </a:r>
+          </a:p>
+          <a:p>
+            <a:r>
+              <a:rPr lang="en-US" sz="1500" dirty="0">
+                <a:solidFill>
+                  <a:srgbClr val="000000"/>
+                </a:solidFill>
+                <a:highlight>
+                  <a:srgbClr val="FFFFFF"/>
+                </a:highlight>
+                <a:latin typeface="Consolas" panose="020B0609020204030204" pitchFamily="49" charset="0"/>
+              </a:rPr>
+              <a:t>	</a:t>
+            </a:r>
+            <a:r>
+              <a:rPr lang="en-US" sz="1500" dirty="0">
+                <a:solidFill>
+                  <a:srgbClr val="000000"/>
+                </a:solidFill>
+                <a:highlight>
+                  <a:srgbClr val="FFFFFF"/>
+                </a:highlight>
+                <a:latin typeface="Consolas" panose="020B0609020204030204" pitchFamily="49" charset="0"/>
+              </a:rPr>
+              <a:t> </a:t>
+            </a:r>
+            <a:r>
+              <a:rPr lang="en-US" sz="1500" dirty="0" smtClean="0">
+                <a:solidFill>
+                  <a:srgbClr val="000000"/>
+                </a:solidFill>
+                <a:highlight>
+                  <a:srgbClr val="FFFFFF"/>
+                </a:highlight>
+                <a:latin typeface="Consolas" panose="020B0609020204030204" pitchFamily="49" charset="0"/>
+              </a:rPr>
+              <a:t>  test: ‘=‘,</a:t>
+            </a:r>
+          </a:p>
+          <a:p>
+            <a:r>
+              <a:rPr lang="en-US" sz="1500" dirty="0">
+                <a:solidFill>
+                  <a:srgbClr val="000000"/>
+                </a:solidFill>
+                <a:highlight>
+                  <a:srgbClr val="FFFFFF"/>
+                </a:highlight>
+                <a:latin typeface="Consolas" panose="020B0609020204030204" pitchFamily="49" charset="0"/>
+              </a:rPr>
+              <a:t> </a:t>
+            </a:r>
+            <a:r>
+              <a:rPr lang="en-US" sz="1500" dirty="0" smtClean="0">
+                <a:solidFill>
+                  <a:srgbClr val="000000"/>
+                </a:solidFill>
+                <a:highlight>
+                  <a:srgbClr val="FFFFFF"/>
+                </a:highlight>
+                <a:latin typeface="Consolas" panose="020B0609020204030204" pitchFamily="49" charset="0"/>
+              </a:rPr>
+              <a:t>           </a:t>
+            </a:r>
+            <a:r>
+              <a:rPr lang="en-US" sz="1500" dirty="0" err="1" smtClean="0">
+                <a:solidFill>
+                  <a:srgbClr val="000000"/>
+                </a:solidFill>
+                <a:highlight>
+                  <a:srgbClr val="FFFFFF"/>
+                </a:highlight>
+                <a:latin typeface="Consolas" panose="020B0609020204030204" pitchFamily="49" charset="0"/>
+              </a:rPr>
+              <a:t>funciton</a:t>
+            </a:r>
+            <a:r>
+              <a:rPr lang="en-US" sz="1500" dirty="0" smtClean="0">
+                <a:solidFill>
+                  <a:srgbClr val="000000"/>
+                </a:solidFill>
+                <a:highlight>
+                  <a:srgbClr val="FFFFFF"/>
+                </a:highlight>
+                <a:latin typeface="Consolas" panose="020B0609020204030204" pitchFamily="49" charset="0"/>
+              </a:rPr>
+              <a:t> : ‘&amp;’</a:t>
+            </a:r>
+            <a:endParaRPr lang="en-US" sz="1500" dirty="0" smtClean="0">
+              <a:solidFill>
+                <a:srgbClr val="000000"/>
+              </a:solidFill>
+              <a:highlight>
+                <a:srgbClr val="FFFFFF"/>
+              </a:highlight>
+              <a:latin typeface="Consolas" panose="020B0609020204030204" pitchFamily="49" charset="0"/>
+            </a:endParaRPr>
+          </a:p>
+          <a:p>
+            <a:r>
+              <a:rPr lang="en-US" sz="1500" dirty="0" smtClean="0">
+                <a:solidFill>
+                  <a:srgbClr val="000000"/>
+                </a:solidFill>
+                <a:highlight>
+                  <a:srgbClr val="FFFFFF"/>
+                </a:highlight>
+                <a:latin typeface="Consolas" panose="020B0609020204030204" pitchFamily="49" charset="0"/>
+              </a:rPr>
               <a:t>        },</a:t>
             </a:r>
           </a:p>
@@ -24482,6 +24715,35 @@
                 <a:latin typeface="Consolas" panose="020B0609020204030204" pitchFamily="49" charset="0"/>
               </a:rPr>
               <a:t>});</a:t>
+            </a:r>
+            <a:endParaRPr lang="en-US" sz="1500" dirty="0"/>
+          </a:p>
+        </p:txBody>
+      </p:sp>
+      <p:sp>
+        <p:nvSpPr>
+          <p:cNvPr id="5" name="Rectangle 4"/>
+          <p:cNvSpPr/>
+          <p:nvPr/>
+        </p:nvSpPr>
+        <p:spPr>
+          <a:xfrm>
+            <a:off x="838199" y="5441769"/>
+            <a:ext cx="10134599" cy="323165"/>
+          </a:xfrm>
+          <a:prstGeom prst="rect">
+            <a:avLst/>
+          </a:prstGeom>
+        </p:spPr>
+        <p:txBody>
+          <a:bodyPr wrap="square">
+            <a:spAutoFit/>
+          </a:bodyPr>
+          <a:lstStyle/>
+          <a:p>
+            <a:r>
+              <a:rPr lang="en-US" sz="1500" dirty="0" smtClean="0"/>
+              <a:t>&lt;my-directive title=“title” &gt;&lt;/my-directive&gt;</a:t>
             </a:r>
             <a:endParaRPr lang="en-US" sz="1500" dirty="0"/>
           </a:p>
@@ -27386,11 +27648,7 @@
             </a:r>
             <a:r>
               <a:rPr lang="en-US" sz="2800" dirty="0" smtClean="0"/>
-              <a:t>from </a:t>
-            </a:r>
-            <a:r>
-              <a:rPr lang="en-US" sz="2800" smtClean="0"/>
-              <a:t>the other(cont.)</a:t>
+              <a:t>from the other(cont.)</a:t>
             </a:r>
             <a:endParaRPr lang="en-US" sz="2800" dirty="0"/>
           </a:p>
